--- a/ppt 16-9/1282.迎主颂.pptx
+++ b/ppt 16-9/1282.迎主颂.pptx
@@ -5,7 +5,7 @@
     <p:sldMasterId id="2147483648" r:id="rId1"/>
   </p:sldMasterIdLst>
   <p:sldIdLst>
-    <p:sldId id="831" r:id="rId2"/>
+    <p:sldId id="832" r:id="rId2"/>
   </p:sldIdLst>
   <p:sldSz cx="12192000" cy="6858000"/>
   <p:notesSz cx="6858000" cy="9144000"/>
@@ -129,7 +129,7 @@
           <p:cNvPr id="2" name="标题 1">
             <a:extLst>
               <a:ext uri="{FF2B5EF4-FFF2-40B4-BE49-F238E27FC236}">
-                <a16:creationId xmlns:a16="http://schemas.microsoft.com/office/drawing/2014/main" id="{5EDD17B4-6917-5813-EA94-D239EC6E6DAE}"/>
+                <a16:creationId xmlns:a16="http://schemas.microsoft.com/office/drawing/2014/main" id="{B0177382-78C5-092A-0225-F967F46507F2}"/>
               </a:ext>
             </a:extLst>
           </p:cNvPr>
@@ -166,7 +166,7 @@
           <p:cNvPr id="3" name="副标题 2">
             <a:extLst>
               <a:ext uri="{FF2B5EF4-FFF2-40B4-BE49-F238E27FC236}">
-                <a16:creationId xmlns:a16="http://schemas.microsoft.com/office/drawing/2014/main" id="{02A89224-B500-1A62-08E9-60B1B64A158A}"/>
+                <a16:creationId xmlns:a16="http://schemas.microsoft.com/office/drawing/2014/main" id="{8FF5EB05-2C38-3ED4-D631-3D46F882CF88}"/>
               </a:ext>
             </a:extLst>
           </p:cNvPr>
@@ -236,7 +236,7 @@
           <p:cNvPr id="4" name="日期占位符 3">
             <a:extLst>
               <a:ext uri="{FF2B5EF4-FFF2-40B4-BE49-F238E27FC236}">
-                <a16:creationId xmlns:a16="http://schemas.microsoft.com/office/drawing/2014/main" id="{99E799A9-20F1-A07D-1AED-30AF9FF185DF}"/>
+                <a16:creationId xmlns:a16="http://schemas.microsoft.com/office/drawing/2014/main" id="{1EEA1BE5-ECF0-01B2-E80E-A22B538BFFF7}"/>
               </a:ext>
             </a:extLst>
           </p:cNvPr>
@@ -252,7 +252,7 @@
           <a:bodyPr/>
           <a:lstStyle/>
           <a:p>
-            <a:fld id="{485CE243-E9B0-484B-9B81-4391CF7DA6A8}" type="datetimeFigureOut">
+            <a:fld id="{0986E584-A1CB-4EF1-BD0D-F56AC372EE8F}" type="datetimeFigureOut">
               <a:rPr lang="zh-CN" altLang="en-US" smtClean="0"/>
               <a:t>2024/3/10</a:t>
             </a:fld>
@@ -265,7 +265,7 @@
           <p:cNvPr id="5" name="页脚占位符 4">
             <a:extLst>
               <a:ext uri="{FF2B5EF4-FFF2-40B4-BE49-F238E27FC236}">
-                <a16:creationId xmlns:a16="http://schemas.microsoft.com/office/drawing/2014/main" id="{C9BBDAC6-9E8C-0BB3-9359-81EDA40BC5B1}"/>
+                <a16:creationId xmlns:a16="http://schemas.microsoft.com/office/drawing/2014/main" id="{145C2CB8-5869-26DD-26B7-D69D4064D7E4}"/>
               </a:ext>
             </a:extLst>
           </p:cNvPr>
@@ -290,7 +290,7 @@
           <p:cNvPr id="6" name="灯片编号占位符 5">
             <a:extLst>
               <a:ext uri="{FF2B5EF4-FFF2-40B4-BE49-F238E27FC236}">
-                <a16:creationId xmlns:a16="http://schemas.microsoft.com/office/drawing/2014/main" id="{51C77FC6-D040-9BF7-8B72-5106B6566BB5}"/>
+                <a16:creationId xmlns:a16="http://schemas.microsoft.com/office/drawing/2014/main" id="{B0FA0DA6-A87A-B9A9-B01E-FF4A40743405}"/>
               </a:ext>
             </a:extLst>
           </p:cNvPr>
@@ -306,7 +306,7 @@
           <a:bodyPr/>
           <a:lstStyle/>
           <a:p>
-            <a:fld id="{9978CDF1-FCA7-4A1B-A6E4-3AB9D1369B71}" type="slidenum">
+            <a:fld id="{AEC1FE9D-CCC2-4D23-A236-BF284557ABF5}" type="slidenum">
               <a:rPr lang="zh-CN" altLang="en-US" smtClean="0"/>
               <a:t>‹#›</a:t>
             </a:fld>
@@ -317,7 +317,7 @@
     </p:spTree>
     <p:extLst>
       <p:ext uri="{BB962C8B-B14F-4D97-AF65-F5344CB8AC3E}">
-        <p14:creationId xmlns:p14="http://schemas.microsoft.com/office/powerpoint/2010/main" val="1996434977"/>
+        <p14:creationId xmlns:p14="http://schemas.microsoft.com/office/powerpoint/2010/main" val="2960277783"/>
       </p:ext>
     </p:extLst>
   </p:cSld>
@@ -349,7 +349,7 @@
           <p:cNvPr id="2" name="标题 1">
             <a:extLst>
               <a:ext uri="{FF2B5EF4-FFF2-40B4-BE49-F238E27FC236}">
-                <a16:creationId xmlns:a16="http://schemas.microsoft.com/office/drawing/2014/main" id="{10D02E33-5694-8093-2B71-84270E56A99C}"/>
+                <a16:creationId xmlns:a16="http://schemas.microsoft.com/office/drawing/2014/main" id="{CC5AA134-D139-2899-A674-08548E52FDCA}"/>
               </a:ext>
             </a:extLst>
           </p:cNvPr>
@@ -377,7 +377,7 @@
           <p:cNvPr id="3" name="竖排文字占位符 2">
             <a:extLst>
               <a:ext uri="{FF2B5EF4-FFF2-40B4-BE49-F238E27FC236}">
-                <a16:creationId xmlns:a16="http://schemas.microsoft.com/office/drawing/2014/main" id="{374215AA-205B-01F5-EA8F-3EFE17C27A97}"/>
+                <a16:creationId xmlns:a16="http://schemas.microsoft.com/office/drawing/2014/main" id="{3E6D1920-B4B5-B035-A1C0-EFE032C2BA08}"/>
               </a:ext>
             </a:extLst>
           </p:cNvPr>
@@ -434,7 +434,7 @@
           <p:cNvPr id="4" name="日期占位符 3">
             <a:extLst>
               <a:ext uri="{FF2B5EF4-FFF2-40B4-BE49-F238E27FC236}">
-                <a16:creationId xmlns:a16="http://schemas.microsoft.com/office/drawing/2014/main" id="{42EC69C5-1897-E24C-A8AE-93B706226B64}"/>
+                <a16:creationId xmlns:a16="http://schemas.microsoft.com/office/drawing/2014/main" id="{8793948D-E2D8-D7D2-3A4D-03D09D952049}"/>
               </a:ext>
             </a:extLst>
           </p:cNvPr>
@@ -450,7 +450,7 @@
           <a:bodyPr/>
           <a:lstStyle/>
           <a:p>
-            <a:fld id="{485CE243-E9B0-484B-9B81-4391CF7DA6A8}" type="datetimeFigureOut">
+            <a:fld id="{0986E584-A1CB-4EF1-BD0D-F56AC372EE8F}" type="datetimeFigureOut">
               <a:rPr lang="zh-CN" altLang="en-US" smtClean="0"/>
               <a:t>2024/3/10</a:t>
             </a:fld>
@@ -463,7 +463,7 @@
           <p:cNvPr id="5" name="页脚占位符 4">
             <a:extLst>
               <a:ext uri="{FF2B5EF4-FFF2-40B4-BE49-F238E27FC236}">
-                <a16:creationId xmlns:a16="http://schemas.microsoft.com/office/drawing/2014/main" id="{5D5650D7-2525-0AB7-8862-E7F70E030F4F}"/>
+                <a16:creationId xmlns:a16="http://schemas.microsoft.com/office/drawing/2014/main" id="{938932BD-EF9E-D01F-A128-704538A489B4}"/>
               </a:ext>
             </a:extLst>
           </p:cNvPr>
@@ -488,7 +488,7 @@
           <p:cNvPr id="6" name="灯片编号占位符 5">
             <a:extLst>
               <a:ext uri="{FF2B5EF4-FFF2-40B4-BE49-F238E27FC236}">
-                <a16:creationId xmlns:a16="http://schemas.microsoft.com/office/drawing/2014/main" id="{8316E6E5-425A-20D1-5365-7AF213D3D03F}"/>
+                <a16:creationId xmlns:a16="http://schemas.microsoft.com/office/drawing/2014/main" id="{C4E5CF66-2DCB-B2AE-D3F0-46EC706E8DC4}"/>
               </a:ext>
             </a:extLst>
           </p:cNvPr>
@@ -504,7 +504,7 @@
           <a:bodyPr/>
           <a:lstStyle/>
           <a:p>
-            <a:fld id="{9978CDF1-FCA7-4A1B-A6E4-3AB9D1369B71}" type="slidenum">
+            <a:fld id="{AEC1FE9D-CCC2-4D23-A236-BF284557ABF5}" type="slidenum">
               <a:rPr lang="zh-CN" altLang="en-US" smtClean="0"/>
               <a:t>‹#›</a:t>
             </a:fld>
@@ -515,7 +515,7 @@
     </p:spTree>
     <p:extLst>
       <p:ext uri="{BB962C8B-B14F-4D97-AF65-F5344CB8AC3E}">
-        <p14:creationId xmlns:p14="http://schemas.microsoft.com/office/powerpoint/2010/main" val="136336665"/>
+        <p14:creationId xmlns:p14="http://schemas.microsoft.com/office/powerpoint/2010/main" val="1859922984"/>
       </p:ext>
     </p:extLst>
   </p:cSld>
@@ -547,7 +547,7 @@
           <p:cNvPr id="2" name="竖排标题 1">
             <a:extLst>
               <a:ext uri="{FF2B5EF4-FFF2-40B4-BE49-F238E27FC236}">
-                <a16:creationId xmlns:a16="http://schemas.microsoft.com/office/drawing/2014/main" id="{EE33B292-6A69-3195-A0BB-DA13916372E9}"/>
+                <a16:creationId xmlns:a16="http://schemas.microsoft.com/office/drawing/2014/main" id="{05FDCF5C-8E72-4522-5CFD-6DC2EE80E31B}"/>
               </a:ext>
             </a:extLst>
           </p:cNvPr>
@@ -580,7 +580,7 @@
           <p:cNvPr id="3" name="竖排文字占位符 2">
             <a:extLst>
               <a:ext uri="{FF2B5EF4-FFF2-40B4-BE49-F238E27FC236}">
-                <a16:creationId xmlns:a16="http://schemas.microsoft.com/office/drawing/2014/main" id="{2A37E501-B5C0-F7FC-AA8D-BE80FBE98214}"/>
+                <a16:creationId xmlns:a16="http://schemas.microsoft.com/office/drawing/2014/main" id="{6DC17817-2F1A-5D13-E1DA-35F85200F739}"/>
               </a:ext>
             </a:extLst>
           </p:cNvPr>
@@ -642,7 +642,7 @@
           <p:cNvPr id="4" name="日期占位符 3">
             <a:extLst>
               <a:ext uri="{FF2B5EF4-FFF2-40B4-BE49-F238E27FC236}">
-                <a16:creationId xmlns:a16="http://schemas.microsoft.com/office/drawing/2014/main" id="{3F3DA5B5-DF18-4810-272E-CB65309C3FD2}"/>
+                <a16:creationId xmlns:a16="http://schemas.microsoft.com/office/drawing/2014/main" id="{9CD675E4-B5A2-1E37-D7F0-7885708E7A27}"/>
               </a:ext>
             </a:extLst>
           </p:cNvPr>
@@ -658,7 +658,7 @@
           <a:bodyPr/>
           <a:lstStyle/>
           <a:p>
-            <a:fld id="{485CE243-E9B0-484B-9B81-4391CF7DA6A8}" type="datetimeFigureOut">
+            <a:fld id="{0986E584-A1CB-4EF1-BD0D-F56AC372EE8F}" type="datetimeFigureOut">
               <a:rPr lang="zh-CN" altLang="en-US" smtClean="0"/>
               <a:t>2024/3/10</a:t>
             </a:fld>
@@ -671,7 +671,7 @@
           <p:cNvPr id="5" name="页脚占位符 4">
             <a:extLst>
               <a:ext uri="{FF2B5EF4-FFF2-40B4-BE49-F238E27FC236}">
-                <a16:creationId xmlns:a16="http://schemas.microsoft.com/office/drawing/2014/main" id="{26625E6F-C109-DB21-7F28-31A55828F130}"/>
+                <a16:creationId xmlns:a16="http://schemas.microsoft.com/office/drawing/2014/main" id="{CCDF8730-716D-BEB4-F62F-5429A5827AA5}"/>
               </a:ext>
             </a:extLst>
           </p:cNvPr>
@@ -696,7 +696,7 @@
           <p:cNvPr id="6" name="灯片编号占位符 5">
             <a:extLst>
               <a:ext uri="{FF2B5EF4-FFF2-40B4-BE49-F238E27FC236}">
-                <a16:creationId xmlns:a16="http://schemas.microsoft.com/office/drawing/2014/main" id="{B6596612-0631-6198-D937-23AFC4A8B58A}"/>
+                <a16:creationId xmlns:a16="http://schemas.microsoft.com/office/drawing/2014/main" id="{8F5E7480-077D-21AB-708F-EB8FA9C4DC50}"/>
               </a:ext>
             </a:extLst>
           </p:cNvPr>
@@ -712,7 +712,7 @@
           <a:bodyPr/>
           <a:lstStyle/>
           <a:p>
-            <a:fld id="{9978CDF1-FCA7-4A1B-A6E4-3AB9D1369B71}" type="slidenum">
+            <a:fld id="{AEC1FE9D-CCC2-4D23-A236-BF284557ABF5}" type="slidenum">
               <a:rPr lang="zh-CN" altLang="en-US" smtClean="0"/>
               <a:t>‹#›</a:t>
             </a:fld>
@@ -723,7 +723,7 @@
     </p:spTree>
     <p:extLst>
       <p:ext uri="{BB962C8B-B14F-4D97-AF65-F5344CB8AC3E}">
-        <p14:creationId xmlns:p14="http://schemas.microsoft.com/office/powerpoint/2010/main" val="1565130717"/>
+        <p14:creationId xmlns:p14="http://schemas.microsoft.com/office/powerpoint/2010/main" val="3773273980"/>
       </p:ext>
     </p:extLst>
   </p:cSld>
@@ -755,7 +755,7 @@
           <p:cNvPr id="2" name="标题 1">
             <a:extLst>
               <a:ext uri="{FF2B5EF4-FFF2-40B4-BE49-F238E27FC236}">
-                <a16:creationId xmlns:a16="http://schemas.microsoft.com/office/drawing/2014/main" id="{D925A6CC-D92B-21D5-A190-0F8B467E5678}"/>
+                <a16:creationId xmlns:a16="http://schemas.microsoft.com/office/drawing/2014/main" id="{F6BF0F18-79B2-175E-CBC2-573D34A5545C}"/>
               </a:ext>
             </a:extLst>
           </p:cNvPr>
@@ -783,7 +783,7 @@
           <p:cNvPr id="3" name="内容占位符 2">
             <a:extLst>
               <a:ext uri="{FF2B5EF4-FFF2-40B4-BE49-F238E27FC236}">
-                <a16:creationId xmlns:a16="http://schemas.microsoft.com/office/drawing/2014/main" id="{B6766A67-71BB-BD34-6A91-9F6359ABE097}"/>
+                <a16:creationId xmlns:a16="http://schemas.microsoft.com/office/drawing/2014/main" id="{7AA88C0E-C2CD-E928-9055-3DE0E681A211}"/>
               </a:ext>
             </a:extLst>
           </p:cNvPr>
@@ -840,7 +840,7 @@
           <p:cNvPr id="4" name="日期占位符 3">
             <a:extLst>
               <a:ext uri="{FF2B5EF4-FFF2-40B4-BE49-F238E27FC236}">
-                <a16:creationId xmlns:a16="http://schemas.microsoft.com/office/drawing/2014/main" id="{B2C1A343-D850-1BAF-EF8F-DFE020695A52}"/>
+                <a16:creationId xmlns:a16="http://schemas.microsoft.com/office/drawing/2014/main" id="{B6E13B84-E28E-1367-789C-1541B52032EF}"/>
               </a:ext>
             </a:extLst>
           </p:cNvPr>
@@ -856,7 +856,7 @@
           <a:bodyPr/>
           <a:lstStyle/>
           <a:p>
-            <a:fld id="{485CE243-E9B0-484B-9B81-4391CF7DA6A8}" type="datetimeFigureOut">
+            <a:fld id="{0986E584-A1CB-4EF1-BD0D-F56AC372EE8F}" type="datetimeFigureOut">
               <a:rPr lang="zh-CN" altLang="en-US" smtClean="0"/>
               <a:t>2024/3/10</a:t>
             </a:fld>
@@ -869,7 +869,7 @@
           <p:cNvPr id="5" name="页脚占位符 4">
             <a:extLst>
               <a:ext uri="{FF2B5EF4-FFF2-40B4-BE49-F238E27FC236}">
-                <a16:creationId xmlns:a16="http://schemas.microsoft.com/office/drawing/2014/main" id="{E0B340DE-67A1-814F-FD00-A0D7909737D3}"/>
+                <a16:creationId xmlns:a16="http://schemas.microsoft.com/office/drawing/2014/main" id="{F5E602CE-2727-E242-A3E2-49701FA186F3}"/>
               </a:ext>
             </a:extLst>
           </p:cNvPr>
@@ -894,7 +894,7 @@
           <p:cNvPr id="6" name="灯片编号占位符 5">
             <a:extLst>
               <a:ext uri="{FF2B5EF4-FFF2-40B4-BE49-F238E27FC236}">
-                <a16:creationId xmlns:a16="http://schemas.microsoft.com/office/drawing/2014/main" id="{855FB8DC-086E-DA76-A9E2-563370EC6AD8}"/>
+                <a16:creationId xmlns:a16="http://schemas.microsoft.com/office/drawing/2014/main" id="{20AC29B4-AFC2-805E-200F-7533C2CC99E7}"/>
               </a:ext>
             </a:extLst>
           </p:cNvPr>
@@ -910,7 +910,7 @@
           <a:bodyPr/>
           <a:lstStyle/>
           <a:p>
-            <a:fld id="{9978CDF1-FCA7-4A1B-A6E4-3AB9D1369B71}" type="slidenum">
+            <a:fld id="{AEC1FE9D-CCC2-4D23-A236-BF284557ABF5}" type="slidenum">
               <a:rPr lang="zh-CN" altLang="en-US" smtClean="0"/>
               <a:t>‹#›</a:t>
             </a:fld>
@@ -921,7 +921,7 @@
     </p:spTree>
     <p:extLst>
       <p:ext uri="{BB962C8B-B14F-4D97-AF65-F5344CB8AC3E}">
-        <p14:creationId xmlns:p14="http://schemas.microsoft.com/office/powerpoint/2010/main" val="3807745811"/>
+        <p14:creationId xmlns:p14="http://schemas.microsoft.com/office/powerpoint/2010/main" val="4032974280"/>
       </p:ext>
     </p:extLst>
   </p:cSld>
@@ -953,7 +953,7 @@
           <p:cNvPr id="2" name="标题 1">
             <a:extLst>
               <a:ext uri="{FF2B5EF4-FFF2-40B4-BE49-F238E27FC236}">
-                <a16:creationId xmlns:a16="http://schemas.microsoft.com/office/drawing/2014/main" id="{A2AB9884-D628-623F-21EE-F9CF9883EA8D}"/>
+                <a16:creationId xmlns:a16="http://schemas.microsoft.com/office/drawing/2014/main" id="{6C35C176-938D-6BCF-5163-4995E2C4C0D1}"/>
               </a:ext>
             </a:extLst>
           </p:cNvPr>
@@ -990,7 +990,7 @@
           <p:cNvPr id="3" name="文本占位符 2">
             <a:extLst>
               <a:ext uri="{FF2B5EF4-FFF2-40B4-BE49-F238E27FC236}">
-                <a16:creationId xmlns:a16="http://schemas.microsoft.com/office/drawing/2014/main" id="{0642AD81-E554-D873-D606-1D3327F4FE00}"/>
+                <a16:creationId xmlns:a16="http://schemas.microsoft.com/office/drawing/2014/main" id="{7793EB32-2C8D-66F4-C898-429F8CE9F9EC}"/>
               </a:ext>
             </a:extLst>
           </p:cNvPr>
@@ -1115,7 +1115,7 @@
           <p:cNvPr id="4" name="日期占位符 3">
             <a:extLst>
               <a:ext uri="{FF2B5EF4-FFF2-40B4-BE49-F238E27FC236}">
-                <a16:creationId xmlns:a16="http://schemas.microsoft.com/office/drawing/2014/main" id="{293FB055-431A-57EA-A2CC-9DCB15D9CBBA}"/>
+                <a16:creationId xmlns:a16="http://schemas.microsoft.com/office/drawing/2014/main" id="{E6D01B13-D4E1-6392-F4E6-86E7EA2545FC}"/>
               </a:ext>
             </a:extLst>
           </p:cNvPr>
@@ -1131,7 +1131,7 @@
           <a:bodyPr/>
           <a:lstStyle/>
           <a:p>
-            <a:fld id="{485CE243-E9B0-484B-9B81-4391CF7DA6A8}" type="datetimeFigureOut">
+            <a:fld id="{0986E584-A1CB-4EF1-BD0D-F56AC372EE8F}" type="datetimeFigureOut">
               <a:rPr lang="zh-CN" altLang="en-US" smtClean="0"/>
               <a:t>2024/3/10</a:t>
             </a:fld>
@@ -1144,7 +1144,7 @@
           <p:cNvPr id="5" name="页脚占位符 4">
             <a:extLst>
               <a:ext uri="{FF2B5EF4-FFF2-40B4-BE49-F238E27FC236}">
-                <a16:creationId xmlns:a16="http://schemas.microsoft.com/office/drawing/2014/main" id="{3E0263C0-03AE-083E-5670-907EFEDF41EF}"/>
+                <a16:creationId xmlns:a16="http://schemas.microsoft.com/office/drawing/2014/main" id="{143AB4E0-E783-DF32-595A-728107C345A9}"/>
               </a:ext>
             </a:extLst>
           </p:cNvPr>
@@ -1169,7 +1169,7 @@
           <p:cNvPr id="6" name="灯片编号占位符 5">
             <a:extLst>
               <a:ext uri="{FF2B5EF4-FFF2-40B4-BE49-F238E27FC236}">
-                <a16:creationId xmlns:a16="http://schemas.microsoft.com/office/drawing/2014/main" id="{FAE36E49-4F3F-34EB-9678-C986570254E7}"/>
+                <a16:creationId xmlns:a16="http://schemas.microsoft.com/office/drawing/2014/main" id="{EF8E272B-2C9E-6F3E-118F-524F19770371}"/>
               </a:ext>
             </a:extLst>
           </p:cNvPr>
@@ -1185,7 +1185,7 @@
           <a:bodyPr/>
           <a:lstStyle/>
           <a:p>
-            <a:fld id="{9978CDF1-FCA7-4A1B-A6E4-3AB9D1369B71}" type="slidenum">
+            <a:fld id="{AEC1FE9D-CCC2-4D23-A236-BF284557ABF5}" type="slidenum">
               <a:rPr lang="zh-CN" altLang="en-US" smtClean="0"/>
               <a:t>‹#›</a:t>
             </a:fld>
@@ -1196,7 +1196,7 @@
     </p:spTree>
     <p:extLst>
       <p:ext uri="{BB962C8B-B14F-4D97-AF65-F5344CB8AC3E}">
-        <p14:creationId xmlns:p14="http://schemas.microsoft.com/office/powerpoint/2010/main" val="582596355"/>
+        <p14:creationId xmlns:p14="http://schemas.microsoft.com/office/powerpoint/2010/main" val="4208326031"/>
       </p:ext>
     </p:extLst>
   </p:cSld>
@@ -1228,7 +1228,7 @@
           <p:cNvPr id="2" name="标题 1">
             <a:extLst>
               <a:ext uri="{FF2B5EF4-FFF2-40B4-BE49-F238E27FC236}">
-                <a16:creationId xmlns:a16="http://schemas.microsoft.com/office/drawing/2014/main" id="{86264419-13DD-EC00-5878-01AAB851EB7B}"/>
+                <a16:creationId xmlns:a16="http://schemas.microsoft.com/office/drawing/2014/main" id="{27D88E2C-CC49-E943-F191-0DB43A09A2E0}"/>
               </a:ext>
             </a:extLst>
           </p:cNvPr>
@@ -1256,7 +1256,7 @@
           <p:cNvPr id="3" name="内容占位符 2">
             <a:extLst>
               <a:ext uri="{FF2B5EF4-FFF2-40B4-BE49-F238E27FC236}">
-                <a16:creationId xmlns:a16="http://schemas.microsoft.com/office/drawing/2014/main" id="{50568C5D-53EE-9ADA-C8EC-D2B46414DC8D}"/>
+                <a16:creationId xmlns:a16="http://schemas.microsoft.com/office/drawing/2014/main" id="{91837E5C-9C75-1598-BD7C-C94CE22E4DBE}"/>
               </a:ext>
             </a:extLst>
           </p:cNvPr>
@@ -1318,7 +1318,7 @@
           <p:cNvPr id="4" name="内容占位符 3">
             <a:extLst>
               <a:ext uri="{FF2B5EF4-FFF2-40B4-BE49-F238E27FC236}">
-                <a16:creationId xmlns:a16="http://schemas.microsoft.com/office/drawing/2014/main" id="{073A61DF-5E3D-E80F-42CD-2647190B5E92}"/>
+                <a16:creationId xmlns:a16="http://schemas.microsoft.com/office/drawing/2014/main" id="{C582F9D8-23D6-78D3-3F21-307FCCBC80A5}"/>
               </a:ext>
             </a:extLst>
           </p:cNvPr>
@@ -1380,7 +1380,7 @@
           <p:cNvPr id="5" name="日期占位符 4">
             <a:extLst>
               <a:ext uri="{FF2B5EF4-FFF2-40B4-BE49-F238E27FC236}">
-                <a16:creationId xmlns:a16="http://schemas.microsoft.com/office/drawing/2014/main" id="{6CDB6088-EE11-5459-1F56-EC116B1AEADA}"/>
+                <a16:creationId xmlns:a16="http://schemas.microsoft.com/office/drawing/2014/main" id="{C51865B9-0672-9D07-120A-4B600BFBB685}"/>
               </a:ext>
             </a:extLst>
           </p:cNvPr>
@@ -1396,7 +1396,7 @@
           <a:bodyPr/>
           <a:lstStyle/>
           <a:p>
-            <a:fld id="{485CE243-E9B0-484B-9B81-4391CF7DA6A8}" type="datetimeFigureOut">
+            <a:fld id="{0986E584-A1CB-4EF1-BD0D-F56AC372EE8F}" type="datetimeFigureOut">
               <a:rPr lang="zh-CN" altLang="en-US" smtClean="0"/>
               <a:t>2024/3/10</a:t>
             </a:fld>
@@ -1409,7 +1409,7 @@
           <p:cNvPr id="6" name="页脚占位符 5">
             <a:extLst>
               <a:ext uri="{FF2B5EF4-FFF2-40B4-BE49-F238E27FC236}">
-                <a16:creationId xmlns:a16="http://schemas.microsoft.com/office/drawing/2014/main" id="{CD2FE88A-9225-76F4-1303-09E1AF783331}"/>
+                <a16:creationId xmlns:a16="http://schemas.microsoft.com/office/drawing/2014/main" id="{3DA052F8-115A-2382-BB2B-1F0DD71B1D00}"/>
               </a:ext>
             </a:extLst>
           </p:cNvPr>
@@ -1434,7 +1434,7 @@
           <p:cNvPr id="7" name="灯片编号占位符 6">
             <a:extLst>
               <a:ext uri="{FF2B5EF4-FFF2-40B4-BE49-F238E27FC236}">
-                <a16:creationId xmlns:a16="http://schemas.microsoft.com/office/drawing/2014/main" id="{13917E96-2D3B-F7A8-8082-6F90F2239E7F}"/>
+                <a16:creationId xmlns:a16="http://schemas.microsoft.com/office/drawing/2014/main" id="{5A4D1F1B-4F13-DDE7-CB9A-90D99B4FA611}"/>
               </a:ext>
             </a:extLst>
           </p:cNvPr>
@@ -1450,7 +1450,7 @@
           <a:bodyPr/>
           <a:lstStyle/>
           <a:p>
-            <a:fld id="{9978CDF1-FCA7-4A1B-A6E4-3AB9D1369B71}" type="slidenum">
+            <a:fld id="{AEC1FE9D-CCC2-4D23-A236-BF284557ABF5}" type="slidenum">
               <a:rPr lang="zh-CN" altLang="en-US" smtClean="0"/>
               <a:t>‹#›</a:t>
             </a:fld>
@@ -1461,7 +1461,7 @@
     </p:spTree>
     <p:extLst>
       <p:ext uri="{BB962C8B-B14F-4D97-AF65-F5344CB8AC3E}">
-        <p14:creationId xmlns:p14="http://schemas.microsoft.com/office/powerpoint/2010/main" val="3915185959"/>
+        <p14:creationId xmlns:p14="http://schemas.microsoft.com/office/powerpoint/2010/main" val="2114511114"/>
       </p:ext>
     </p:extLst>
   </p:cSld>
@@ -1493,7 +1493,7 @@
           <p:cNvPr id="2" name="标题 1">
             <a:extLst>
               <a:ext uri="{FF2B5EF4-FFF2-40B4-BE49-F238E27FC236}">
-                <a16:creationId xmlns:a16="http://schemas.microsoft.com/office/drawing/2014/main" id="{5DCBB0C0-1729-CB06-B460-FD57A42A6CB9}"/>
+                <a16:creationId xmlns:a16="http://schemas.microsoft.com/office/drawing/2014/main" id="{4B4051FE-4BE4-D383-F8B1-320EA6FDE44B}"/>
               </a:ext>
             </a:extLst>
           </p:cNvPr>
@@ -1526,7 +1526,7 @@
           <p:cNvPr id="3" name="文本占位符 2">
             <a:extLst>
               <a:ext uri="{FF2B5EF4-FFF2-40B4-BE49-F238E27FC236}">
-                <a16:creationId xmlns:a16="http://schemas.microsoft.com/office/drawing/2014/main" id="{16DAE5B5-30CC-5D75-2ACC-1D1E3190A178}"/>
+                <a16:creationId xmlns:a16="http://schemas.microsoft.com/office/drawing/2014/main" id="{5724F70F-22D8-035B-2B8F-07A3CD34F9F9}"/>
               </a:ext>
             </a:extLst>
           </p:cNvPr>
@@ -1597,7 +1597,7 @@
           <p:cNvPr id="4" name="内容占位符 3">
             <a:extLst>
               <a:ext uri="{FF2B5EF4-FFF2-40B4-BE49-F238E27FC236}">
-                <a16:creationId xmlns:a16="http://schemas.microsoft.com/office/drawing/2014/main" id="{96218AFA-9AF3-2DE5-FD7E-07CA6CC6A450}"/>
+                <a16:creationId xmlns:a16="http://schemas.microsoft.com/office/drawing/2014/main" id="{8D6513B1-6933-1EBF-D42F-2DEC102A9101}"/>
               </a:ext>
             </a:extLst>
           </p:cNvPr>
@@ -1659,7 +1659,7 @@
           <p:cNvPr id="5" name="文本占位符 4">
             <a:extLst>
               <a:ext uri="{FF2B5EF4-FFF2-40B4-BE49-F238E27FC236}">
-                <a16:creationId xmlns:a16="http://schemas.microsoft.com/office/drawing/2014/main" id="{2A886D65-AE00-5B5A-AF17-275C068AA47A}"/>
+                <a16:creationId xmlns:a16="http://schemas.microsoft.com/office/drawing/2014/main" id="{59477373-978A-70C9-E2A6-1CC874B64FCC}"/>
               </a:ext>
             </a:extLst>
           </p:cNvPr>
@@ -1730,7 +1730,7 @@
           <p:cNvPr id="6" name="内容占位符 5">
             <a:extLst>
               <a:ext uri="{FF2B5EF4-FFF2-40B4-BE49-F238E27FC236}">
-                <a16:creationId xmlns:a16="http://schemas.microsoft.com/office/drawing/2014/main" id="{8452EBEF-DA95-1927-237D-D68B96E6247C}"/>
+                <a16:creationId xmlns:a16="http://schemas.microsoft.com/office/drawing/2014/main" id="{4D37A7DB-6872-6D13-64F3-23ADE8AC2526}"/>
               </a:ext>
             </a:extLst>
           </p:cNvPr>
@@ -1792,7 +1792,7 @@
           <p:cNvPr id="7" name="日期占位符 6">
             <a:extLst>
               <a:ext uri="{FF2B5EF4-FFF2-40B4-BE49-F238E27FC236}">
-                <a16:creationId xmlns:a16="http://schemas.microsoft.com/office/drawing/2014/main" id="{8CCC288D-EB70-C125-F7C7-83E2BA118FCD}"/>
+                <a16:creationId xmlns:a16="http://schemas.microsoft.com/office/drawing/2014/main" id="{025D3607-FC1A-0017-1553-61EB3A5226D8}"/>
               </a:ext>
             </a:extLst>
           </p:cNvPr>
@@ -1808,7 +1808,7 @@
           <a:bodyPr/>
           <a:lstStyle/>
           <a:p>
-            <a:fld id="{485CE243-E9B0-484B-9B81-4391CF7DA6A8}" type="datetimeFigureOut">
+            <a:fld id="{0986E584-A1CB-4EF1-BD0D-F56AC372EE8F}" type="datetimeFigureOut">
               <a:rPr lang="zh-CN" altLang="en-US" smtClean="0"/>
               <a:t>2024/3/10</a:t>
             </a:fld>
@@ -1821,7 +1821,7 @@
           <p:cNvPr id="8" name="页脚占位符 7">
             <a:extLst>
               <a:ext uri="{FF2B5EF4-FFF2-40B4-BE49-F238E27FC236}">
-                <a16:creationId xmlns:a16="http://schemas.microsoft.com/office/drawing/2014/main" id="{B523E69E-2C13-E878-5C52-C20850456F35}"/>
+                <a16:creationId xmlns:a16="http://schemas.microsoft.com/office/drawing/2014/main" id="{95B7E0D9-B5AA-E684-4278-1DF93EE1D86B}"/>
               </a:ext>
             </a:extLst>
           </p:cNvPr>
@@ -1846,7 +1846,7 @@
           <p:cNvPr id="9" name="灯片编号占位符 8">
             <a:extLst>
               <a:ext uri="{FF2B5EF4-FFF2-40B4-BE49-F238E27FC236}">
-                <a16:creationId xmlns:a16="http://schemas.microsoft.com/office/drawing/2014/main" id="{9B53FE9F-081F-8F95-CC70-D3B3BD7D64B7}"/>
+                <a16:creationId xmlns:a16="http://schemas.microsoft.com/office/drawing/2014/main" id="{62320BA6-A239-9269-F6E9-5EB7EFA23D2B}"/>
               </a:ext>
             </a:extLst>
           </p:cNvPr>
@@ -1862,7 +1862,7 @@
           <a:bodyPr/>
           <a:lstStyle/>
           <a:p>
-            <a:fld id="{9978CDF1-FCA7-4A1B-A6E4-3AB9D1369B71}" type="slidenum">
+            <a:fld id="{AEC1FE9D-CCC2-4D23-A236-BF284557ABF5}" type="slidenum">
               <a:rPr lang="zh-CN" altLang="en-US" smtClean="0"/>
               <a:t>‹#›</a:t>
             </a:fld>
@@ -1873,7 +1873,7 @@
     </p:spTree>
     <p:extLst>
       <p:ext uri="{BB962C8B-B14F-4D97-AF65-F5344CB8AC3E}">
-        <p14:creationId xmlns:p14="http://schemas.microsoft.com/office/powerpoint/2010/main" val="2373617950"/>
+        <p14:creationId xmlns:p14="http://schemas.microsoft.com/office/powerpoint/2010/main" val="1694149069"/>
       </p:ext>
     </p:extLst>
   </p:cSld>
@@ -1905,7 +1905,7 @@
           <p:cNvPr id="2" name="标题 1">
             <a:extLst>
               <a:ext uri="{FF2B5EF4-FFF2-40B4-BE49-F238E27FC236}">
-                <a16:creationId xmlns:a16="http://schemas.microsoft.com/office/drawing/2014/main" id="{7FA2FDE0-EB14-256C-5358-DD71EA3E8C1B}"/>
+                <a16:creationId xmlns:a16="http://schemas.microsoft.com/office/drawing/2014/main" id="{D2911F84-AA7C-D164-C22D-2137FD19AE79}"/>
               </a:ext>
             </a:extLst>
           </p:cNvPr>
@@ -1933,7 +1933,7 @@
           <p:cNvPr id="3" name="日期占位符 2">
             <a:extLst>
               <a:ext uri="{FF2B5EF4-FFF2-40B4-BE49-F238E27FC236}">
-                <a16:creationId xmlns:a16="http://schemas.microsoft.com/office/drawing/2014/main" id="{6BB5CDED-14D2-DF15-C3EC-B27384FB373A}"/>
+                <a16:creationId xmlns:a16="http://schemas.microsoft.com/office/drawing/2014/main" id="{DC5F5771-3336-5CAB-7573-E38C6413F013}"/>
               </a:ext>
             </a:extLst>
           </p:cNvPr>
@@ -1949,7 +1949,7 @@
           <a:bodyPr/>
           <a:lstStyle/>
           <a:p>
-            <a:fld id="{485CE243-E9B0-484B-9B81-4391CF7DA6A8}" type="datetimeFigureOut">
+            <a:fld id="{0986E584-A1CB-4EF1-BD0D-F56AC372EE8F}" type="datetimeFigureOut">
               <a:rPr lang="zh-CN" altLang="en-US" smtClean="0"/>
               <a:t>2024/3/10</a:t>
             </a:fld>
@@ -1962,7 +1962,7 @@
           <p:cNvPr id="4" name="页脚占位符 3">
             <a:extLst>
               <a:ext uri="{FF2B5EF4-FFF2-40B4-BE49-F238E27FC236}">
-                <a16:creationId xmlns:a16="http://schemas.microsoft.com/office/drawing/2014/main" id="{18B8CA6A-1C01-13E5-EC93-AD66D7A51CC9}"/>
+                <a16:creationId xmlns:a16="http://schemas.microsoft.com/office/drawing/2014/main" id="{6590D507-0CBD-2ACB-59B1-253C1EF51DD3}"/>
               </a:ext>
             </a:extLst>
           </p:cNvPr>
@@ -1987,7 +1987,7 @@
           <p:cNvPr id="5" name="灯片编号占位符 4">
             <a:extLst>
               <a:ext uri="{FF2B5EF4-FFF2-40B4-BE49-F238E27FC236}">
-                <a16:creationId xmlns:a16="http://schemas.microsoft.com/office/drawing/2014/main" id="{512BE692-537C-79E2-3A27-B21CC6C08577}"/>
+                <a16:creationId xmlns:a16="http://schemas.microsoft.com/office/drawing/2014/main" id="{A56C347A-B884-A2CD-9E5C-461B1B0D9F58}"/>
               </a:ext>
             </a:extLst>
           </p:cNvPr>
@@ -2003,7 +2003,7 @@
           <a:bodyPr/>
           <a:lstStyle/>
           <a:p>
-            <a:fld id="{9978CDF1-FCA7-4A1B-A6E4-3AB9D1369B71}" type="slidenum">
+            <a:fld id="{AEC1FE9D-CCC2-4D23-A236-BF284557ABF5}" type="slidenum">
               <a:rPr lang="zh-CN" altLang="en-US" smtClean="0"/>
               <a:t>‹#›</a:t>
             </a:fld>
@@ -2014,7 +2014,7 @@
     </p:spTree>
     <p:extLst>
       <p:ext uri="{BB962C8B-B14F-4D97-AF65-F5344CB8AC3E}">
-        <p14:creationId xmlns:p14="http://schemas.microsoft.com/office/powerpoint/2010/main" val="2903771497"/>
+        <p14:creationId xmlns:p14="http://schemas.microsoft.com/office/powerpoint/2010/main" val="1680658914"/>
       </p:ext>
     </p:extLst>
   </p:cSld>
@@ -2046,7 +2046,7 @@
           <p:cNvPr id="2" name="日期占位符 1">
             <a:extLst>
               <a:ext uri="{FF2B5EF4-FFF2-40B4-BE49-F238E27FC236}">
-                <a16:creationId xmlns:a16="http://schemas.microsoft.com/office/drawing/2014/main" id="{009336E7-D3FC-999B-9838-D4B8CC5B0913}"/>
+                <a16:creationId xmlns:a16="http://schemas.microsoft.com/office/drawing/2014/main" id="{4BD97AE4-0ABD-79B2-EF2F-8ADC4B707336}"/>
               </a:ext>
             </a:extLst>
           </p:cNvPr>
@@ -2062,7 +2062,7 @@
           <a:bodyPr/>
           <a:lstStyle/>
           <a:p>
-            <a:fld id="{485CE243-E9B0-484B-9B81-4391CF7DA6A8}" type="datetimeFigureOut">
+            <a:fld id="{0986E584-A1CB-4EF1-BD0D-F56AC372EE8F}" type="datetimeFigureOut">
               <a:rPr lang="zh-CN" altLang="en-US" smtClean="0"/>
               <a:t>2024/3/10</a:t>
             </a:fld>
@@ -2075,7 +2075,7 @@
           <p:cNvPr id="3" name="页脚占位符 2">
             <a:extLst>
               <a:ext uri="{FF2B5EF4-FFF2-40B4-BE49-F238E27FC236}">
-                <a16:creationId xmlns:a16="http://schemas.microsoft.com/office/drawing/2014/main" id="{E37265D2-98E1-1A4D-ABD5-2D5101F6F36F}"/>
+                <a16:creationId xmlns:a16="http://schemas.microsoft.com/office/drawing/2014/main" id="{F19AC19F-9CF2-C84E-2B69-7ECE4EB9B65C}"/>
               </a:ext>
             </a:extLst>
           </p:cNvPr>
@@ -2100,7 +2100,7 @@
           <p:cNvPr id="4" name="灯片编号占位符 3">
             <a:extLst>
               <a:ext uri="{FF2B5EF4-FFF2-40B4-BE49-F238E27FC236}">
-                <a16:creationId xmlns:a16="http://schemas.microsoft.com/office/drawing/2014/main" id="{A56B7325-2E75-C41C-69A5-80DB51D9BEF2}"/>
+                <a16:creationId xmlns:a16="http://schemas.microsoft.com/office/drawing/2014/main" id="{1E62727F-FAA1-51F1-229B-5F7D31781B49}"/>
               </a:ext>
             </a:extLst>
           </p:cNvPr>
@@ -2116,7 +2116,7 @@
           <a:bodyPr/>
           <a:lstStyle/>
           <a:p>
-            <a:fld id="{9978CDF1-FCA7-4A1B-A6E4-3AB9D1369B71}" type="slidenum">
+            <a:fld id="{AEC1FE9D-CCC2-4D23-A236-BF284557ABF5}" type="slidenum">
               <a:rPr lang="zh-CN" altLang="en-US" smtClean="0"/>
               <a:t>‹#›</a:t>
             </a:fld>
@@ -2127,7 +2127,7 @@
     </p:spTree>
     <p:extLst>
       <p:ext uri="{BB962C8B-B14F-4D97-AF65-F5344CB8AC3E}">
-        <p14:creationId xmlns:p14="http://schemas.microsoft.com/office/powerpoint/2010/main" val="1836971557"/>
+        <p14:creationId xmlns:p14="http://schemas.microsoft.com/office/powerpoint/2010/main" val="3394173040"/>
       </p:ext>
     </p:extLst>
   </p:cSld>
@@ -2159,7 +2159,7 @@
           <p:cNvPr id="2" name="标题 1">
             <a:extLst>
               <a:ext uri="{FF2B5EF4-FFF2-40B4-BE49-F238E27FC236}">
-                <a16:creationId xmlns:a16="http://schemas.microsoft.com/office/drawing/2014/main" id="{0C9FBC9E-E2D8-A957-7848-6D2079A1655B}"/>
+                <a16:creationId xmlns:a16="http://schemas.microsoft.com/office/drawing/2014/main" id="{35FF01E9-C3B3-C6CC-A829-356824D10C26}"/>
               </a:ext>
             </a:extLst>
           </p:cNvPr>
@@ -2196,7 +2196,7 @@
           <p:cNvPr id="3" name="内容占位符 2">
             <a:extLst>
               <a:ext uri="{FF2B5EF4-FFF2-40B4-BE49-F238E27FC236}">
-                <a16:creationId xmlns:a16="http://schemas.microsoft.com/office/drawing/2014/main" id="{A484932A-181D-4381-2E56-0E9482CA0526}"/>
+                <a16:creationId xmlns:a16="http://schemas.microsoft.com/office/drawing/2014/main" id="{089E7290-2A19-8201-2BA8-F001BFC4346D}"/>
               </a:ext>
             </a:extLst>
           </p:cNvPr>
@@ -2286,7 +2286,7 @@
           <p:cNvPr id="4" name="文本占位符 3">
             <a:extLst>
               <a:ext uri="{FF2B5EF4-FFF2-40B4-BE49-F238E27FC236}">
-                <a16:creationId xmlns:a16="http://schemas.microsoft.com/office/drawing/2014/main" id="{E3F002D8-1A3E-4FFF-82A0-8A7C1B069A0B}"/>
+                <a16:creationId xmlns:a16="http://schemas.microsoft.com/office/drawing/2014/main" id="{F23C9C84-080B-BD36-3EF1-C5BE2FC9E5D5}"/>
               </a:ext>
             </a:extLst>
           </p:cNvPr>
@@ -2357,7 +2357,7 @@
           <p:cNvPr id="5" name="日期占位符 4">
             <a:extLst>
               <a:ext uri="{FF2B5EF4-FFF2-40B4-BE49-F238E27FC236}">
-                <a16:creationId xmlns:a16="http://schemas.microsoft.com/office/drawing/2014/main" id="{6DE6C073-8440-8DA3-D160-CFCC2D4734EF}"/>
+                <a16:creationId xmlns:a16="http://schemas.microsoft.com/office/drawing/2014/main" id="{43F46D63-C981-5FCB-5010-854EBE0A6C2F}"/>
               </a:ext>
             </a:extLst>
           </p:cNvPr>
@@ -2373,7 +2373,7 @@
           <a:bodyPr/>
           <a:lstStyle/>
           <a:p>
-            <a:fld id="{485CE243-E9B0-484B-9B81-4391CF7DA6A8}" type="datetimeFigureOut">
+            <a:fld id="{0986E584-A1CB-4EF1-BD0D-F56AC372EE8F}" type="datetimeFigureOut">
               <a:rPr lang="zh-CN" altLang="en-US" smtClean="0"/>
               <a:t>2024/3/10</a:t>
             </a:fld>
@@ -2386,7 +2386,7 @@
           <p:cNvPr id="6" name="页脚占位符 5">
             <a:extLst>
               <a:ext uri="{FF2B5EF4-FFF2-40B4-BE49-F238E27FC236}">
-                <a16:creationId xmlns:a16="http://schemas.microsoft.com/office/drawing/2014/main" id="{4AE56729-C20A-22FB-D3C0-1AA7637C6D17}"/>
+                <a16:creationId xmlns:a16="http://schemas.microsoft.com/office/drawing/2014/main" id="{C698DA2D-4FBF-10F1-B4BC-34910A40A568}"/>
               </a:ext>
             </a:extLst>
           </p:cNvPr>
@@ -2411,7 +2411,7 @@
           <p:cNvPr id="7" name="灯片编号占位符 6">
             <a:extLst>
               <a:ext uri="{FF2B5EF4-FFF2-40B4-BE49-F238E27FC236}">
-                <a16:creationId xmlns:a16="http://schemas.microsoft.com/office/drawing/2014/main" id="{67D6B3B2-5FE4-3B53-C0EA-DD141441CF12}"/>
+                <a16:creationId xmlns:a16="http://schemas.microsoft.com/office/drawing/2014/main" id="{7CD7F87E-95CD-D4B6-6B9E-42A10668A538}"/>
               </a:ext>
             </a:extLst>
           </p:cNvPr>
@@ -2427,7 +2427,7 @@
           <a:bodyPr/>
           <a:lstStyle/>
           <a:p>
-            <a:fld id="{9978CDF1-FCA7-4A1B-A6E4-3AB9D1369B71}" type="slidenum">
+            <a:fld id="{AEC1FE9D-CCC2-4D23-A236-BF284557ABF5}" type="slidenum">
               <a:rPr lang="zh-CN" altLang="en-US" smtClean="0"/>
               <a:t>‹#›</a:t>
             </a:fld>
@@ -2438,7 +2438,7 @@
     </p:spTree>
     <p:extLst>
       <p:ext uri="{BB962C8B-B14F-4D97-AF65-F5344CB8AC3E}">
-        <p14:creationId xmlns:p14="http://schemas.microsoft.com/office/powerpoint/2010/main" val="4089776987"/>
+        <p14:creationId xmlns:p14="http://schemas.microsoft.com/office/powerpoint/2010/main" val="3271219485"/>
       </p:ext>
     </p:extLst>
   </p:cSld>
@@ -2470,7 +2470,7 @@
           <p:cNvPr id="2" name="标题 1">
             <a:extLst>
               <a:ext uri="{FF2B5EF4-FFF2-40B4-BE49-F238E27FC236}">
-                <a16:creationId xmlns:a16="http://schemas.microsoft.com/office/drawing/2014/main" id="{8FF4DFBB-4791-5ACE-D031-B622ED20EE59}"/>
+                <a16:creationId xmlns:a16="http://schemas.microsoft.com/office/drawing/2014/main" id="{48B1441B-5AAB-9035-FA20-3BEC05B23759}"/>
               </a:ext>
             </a:extLst>
           </p:cNvPr>
@@ -2507,7 +2507,7 @@
           <p:cNvPr id="3" name="图片占位符 2">
             <a:extLst>
               <a:ext uri="{FF2B5EF4-FFF2-40B4-BE49-F238E27FC236}">
-                <a16:creationId xmlns:a16="http://schemas.microsoft.com/office/drawing/2014/main" id="{1445D947-0B1E-67BC-C428-CCF487751ED6}"/>
+                <a16:creationId xmlns:a16="http://schemas.microsoft.com/office/drawing/2014/main" id="{0FD84881-0B5C-1CBF-1BEC-74D14878FB6C}"/>
               </a:ext>
             </a:extLst>
           </p:cNvPr>
@@ -2574,7 +2574,7 @@
           <p:cNvPr id="4" name="文本占位符 3">
             <a:extLst>
               <a:ext uri="{FF2B5EF4-FFF2-40B4-BE49-F238E27FC236}">
-                <a16:creationId xmlns:a16="http://schemas.microsoft.com/office/drawing/2014/main" id="{99C9ACA3-2A48-FBEA-D839-76B0FB9D78F8}"/>
+                <a16:creationId xmlns:a16="http://schemas.microsoft.com/office/drawing/2014/main" id="{08BC7FC3-4F27-4332-EAC4-961F0F9F0EA0}"/>
               </a:ext>
             </a:extLst>
           </p:cNvPr>
@@ -2645,7 +2645,7 @@
           <p:cNvPr id="5" name="日期占位符 4">
             <a:extLst>
               <a:ext uri="{FF2B5EF4-FFF2-40B4-BE49-F238E27FC236}">
-                <a16:creationId xmlns:a16="http://schemas.microsoft.com/office/drawing/2014/main" id="{8111369E-195C-1F4F-0B9C-E1DBFB3715A8}"/>
+                <a16:creationId xmlns:a16="http://schemas.microsoft.com/office/drawing/2014/main" id="{BD16C904-5853-BF73-06F3-174AA65B7138}"/>
               </a:ext>
             </a:extLst>
           </p:cNvPr>
@@ -2661,7 +2661,7 @@
           <a:bodyPr/>
           <a:lstStyle/>
           <a:p>
-            <a:fld id="{485CE243-E9B0-484B-9B81-4391CF7DA6A8}" type="datetimeFigureOut">
+            <a:fld id="{0986E584-A1CB-4EF1-BD0D-F56AC372EE8F}" type="datetimeFigureOut">
               <a:rPr lang="zh-CN" altLang="en-US" smtClean="0"/>
               <a:t>2024/3/10</a:t>
             </a:fld>
@@ -2674,7 +2674,7 @@
           <p:cNvPr id="6" name="页脚占位符 5">
             <a:extLst>
               <a:ext uri="{FF2B5EF4-FFF2-40B4-BE49-F238E27FC236}">
-                <a16:creationId xmlns:a16="http://schemas.microsoft.com/office/drawing/2014/main" id="{253770AF-6B66-5B1B-89EA-AA6BE8D9CDE3}"/>
+                <a16:creationId xmlns:a16="http://schemas.microsoft.com/office/drawing/2014/main" id="{1294CE03-5143-63D5-0556-BF857534D9F2}"/>
               </a:ext>
             </a:extLst>
           </p:cNvPr>
@@ -2699,7 +2699,7 @@
           <p:cNvPr id="7" name="灯片编号占位符 6">
             <a:extLst>
               <a:ext uri="{FF2B5EF4-FFF2-40B4-BE49-F238E27FC236}">
-                <a16:creationId xmlns:a16="http://schemas.microsoft.com/office/drawing/2014/main" id="{1C156E28-7F75-8072-5870-03E8372ED430}"/>
+                <a16:creationId xmlns:a16="http://schemas.microsoft.com/office/drawing/2014/main" id="{2E55118F-E924-D0C3-4547-988C535BF3E5}"/>
               </a:ext>
             </a:extLst>
           </p:cNvPr>
@@ -2715,7 +2715,7 @@
           <a:bodyPr/>
           <a:lstStyle/>
           <a:p>
-            <a:fld id="{9978CDF1-FCA7-4A1B-A6E4-3AB9D1369B71}" type="slidenum">
+            <a:fld id="{AEC1FE9D-CCC2-4D23-A236-BF284557ABF5}" type="slidenum">
               <a:rPr lang="zh-CN" altLang="en-US" smtClean="0"/>
               <a:t>‹#›</a:t>
             </a:fld>
@@ -2726,7 +2726,7 @@
     </p:spTree>
     <p:extLst>
       <p:ext uri="{BB962C8B-B14F-4D97-AF65-F5344CB8AC3E}">
-        <p14:creationId xmlns:p14="http://schemas.microsoft.com/office/powerpoint/2010/main" val="2952691472"/>
+        <p14:creationId xmlns:p14="http://schemas.microsoft.com/office/powerpoint/2010/main" val="2927389524"/>
       </p:ext>
     </p:extLst>
   </p:cSld>
@@ -2763,7 +2763,7 @@
           <p:cNvPr id="2" name="标题占位符 1">
             <a:extLst>
               <a:ext uri="{FF2B5EF4-FFF2-40B4-BE49-F238E27FC236}">
-                <a16:creationId xmlns:a16="http://schemas.microsoft.com/office/drawing/2014/main" id="{5D19627D-1D72-B537-73FA-2598F8DFD73B}"/>
+                <a16:creationId xmlns:a16="http://schemas.microsoft.com/office/drawing/2014/main" id="{B012885C-BE30-28ED-FB56-0821F643DDC2}"/>
               </a:ext>
             </a:extLst>
           </p:cNvPr>
@@ -2801,7 +2801,7 @@
           <p:cNvPr id="3" name="文本占位符 2">
             <a:extLst>
               <a:ext uri="{FF2B5EF4-FFF2-40B4-BE49-F238E27FC236}">
-                <a16:creationId xmlns:a16="http://schemas.microsoft.com/office/drawing/2014/main" id="{5ED46EF5-87F6-E9EA-4D66-A8B13685D8DC}"/>
+                <a16:creationId xmlns:a16="http://schemas.microsoft.com/office/drawing/2014/main" id="{695F7CFA-5A67-011D-2B9F-49F0E2DEC805}"/>
               </a:ext>
             </a:extLst>
           </p:cNvPr>
@@ -2868,7 +2868,7 @@
           <p:cNvPr id="4" name="日期占位符 3">
             <a:extLst>
               <a:ext uri="{FF2B5EF4-FFF2-40B4-BE49-F238E27FC236}">
-                <a16:creationId xmlns:a16="http://schemas.microsoft.com/office/drawing/2014/main" id="{BE65C688-253A-5C92-C414-A54F228F084B}"/>
+                <a16:creationId xmlns:a16="http://schemas.microsoft.com/office/drawing/2014/main" id="{39655547-8961-1C29-D011-DA16812E62CD}"/>
               </a:ext>
             </a:extLst>
           </p:cNvPr>
@@ -2902,7 +2902,7 @@
             </a:lvl1pPr>
           </a:lstStyle>
           <a:p>
-            <a:fld id="{485CE243-E9B0-484B-9B81-4391CF7DA6A8}" type="datetimeFigureOut">
+            <a:fld id="{0986E584-A1CB-4EF1-BD0D-F56AC372EE8F}" type="datetimeFigureOut">
               <a:rPr lang="zh-CN" altLang="en-US" smtClean="0"/>
               <a:t>2024/3/10</a:t>
             </a:fld>
@@ -2915,7 +2915,7 @@
           <p:cNvPr id="5" name="页脚占位符 4">
             <a:extLst>
               <a:ext uri="{FF2B5EF4-FFF2-40B4-BE49-F238E27FC236}">
-                <a16:creationId xmlns:a16="http://schemas.microsoft.com/office/drawing/2014/main" id="{75327D62-71E0-C8F5-54ED-8A504A3E93CB}"/>
+                <a16:creationId xmlns:a16="http://schemas.microsoft.com/office/drawing/2014/main" id="{1C2234E5-563B-5F89-D950-2E8742B16029}"/>
               </a:ext>
             </a:extLst>
           </p:cNvPr>
@@ -2958,7 +2958,7 @@
           <p:cNvPr id="6" name="灯片编号占位符 5">
             <a:extLst>
               <a:ext uri="{FF2B5EF4-FFF2-40B4-BE49-F238E27FC236}">
-                <a16:creationId xmlns:a16="http://schemas.microsoft.com/office/drawing/2014/main" id="{FE43F3DB-D4E2-360F-1C56-DD764BD8C8EA}"/>
+                <a16:creationId xmlns:a16="http://schemas.microsoft.com/office/drawing/2014/main" id="{CDC5D2CA-6ADC-5EF1-2B1F-B6C4CC2E4011}"/>
               </a:ext>
             </a:extLst>
           </p:cNvPr>
@@ -2992,7 +2992,7 @@
             </a:lvl1pPr>
           </a:lstStyle>
           <a:p>
-            <a:fld id="{9978CDF1-FCA7-4A1B-A6E4-3AB9D1369B71}" type="slidenum">
+            <a:fld id="{AEC1FE9D-CCC2-4D23-A236-BF284557ABF5}" type="slidenum">
               <a:rPr lang="zh-CN" altLang="en-US" smtClean="0"/>
               <a:t>‹#›</a:t>
             </a:fld>
@@ -3003,7 +3003,7 @@
     </p:spTree>
     <p:extLst>
       <p:ext uri="{BB962C8B-B14F-4D97-AF65-F5344CB8AC3E}">
-        <p14:creationId xmlns:p14="http://schemas.microsoft.com/office/powerpoint/2010/main" val="4042769984"/>
+        <p14:creationId xmlns:p14="http://schemas.microsoft.com/office/powerpoint/2010/main" val="3474748878"/>
       </p:ext>
     </p:extLst>
   </p:cSld>
@@ -3323,7 +3323,7 @@
       </p:grpSpPr>
       <p:pic>
         <p:nvPicPr>
-          <p:cNvPr id="1312770" name="Picture 2" descr="1281"/>
+          <p:cNvPr id="1313794" name="Picture 2" descr="1282"/>
           <p:cNvPicPr>
             <a:picLocks noChangeAspect="1" noChangeArrowheads="1"/>
           </p:cNvPicPr>
